--- a/Blood4Life/Sprint-3/Apresentação/ApresentacaoFinal-Blood4life.pptx
+++ b/Blood4Life/Sprint-3/Apresentação/ApresentacaoFinal-Blood4life.pptx
@@ -148,8 +148,7 @@
 <file path=ppt/revisionInfo.xml><?xml version="1.0" encoding="utf-8"?>
 <p1510:revInfo xmlns:a="http://schemas.openxmlformats.org/drawingml/2006/main" xmlns:r="http://schemas.openxmlformats.org/officeDocument/2006/relationships" xmlns:p1510="http://schemas.microsoft.com/office/powerpoint/2015/10/main">
   <p1510:revLst>
-    <p1510:client id="{3C1E1E92-9E70-4B86-81B7-AD408E1B45F9}" v="28" dt="2020-12-13T14:41:07.034"/>
-    <p1510:client id="{9A308E68-9FE0-4272-9122-55DF65A20C98}" v="175" dt="2020-12-12T15:51:53.447"/>
+    <p1510:client id="{3C1E1E92-9E70-4B86-81B7-AD408E1B45F9}" v="30" dt="2020-12-13T16:53:40.742"/>
   </p1510:revLst>
 </p1510:revInfo>
 </file>
@@ -159,7 +158,7 @@
   <pc:docChgLst>
     <pc:chgData name="Daniel Juncks" userId="0f121773a5ae8ec2" providerId="LiveId" clId="{3C1E1E92-9E70-4B86-81B7-AD408E1B45F9}"/>
     <pc:docChg chg="undo custSel modSld">
-      <pc:chgData name="Daniel Juncks" userId="0f121773a5ae8ec2" providerId="LiveId" clId="{3C1E1E92-9E70-4B86-81B7-AD408E1B45F9}" dt="2020-12-13T14:41:07.034" v="117"/>
+      <pc:chgData name="Daniel Juncks" userId="0f121773a5ae8ec2" providerId="LiveId" clId="{3C1E1E92-9E70-4B86-81B7-AD408E1B45F9}" dt="2020-12-13T16:53:53.669" v="133" actId="1076"/>
       <pc:docMkLst>
         <pc:docMk/>
       </pc:docMkLst>
@@ -386,7 +385,7 @@
         </pc:picChg>
       </pc:sldChg>
       <pc:sldChg chg="addSp delSp modSp mod">
-        <pc:chgData name="Daniel Juncks" userId="0f121773a5ae8ec2" providerId="LiveId" clId="{3C1E1E92-9E70-4B86-81B7-AD408E1B45F9}" dt="2020-12-13T14:40:58.888" v="115"/>
+        <pc:chgData name="Daniel Juncks" userId="0f121773a5ae8ec2" providerId="LiveId" clId="{3C1E1E92-9E70-4B86-81B7-AD408E1B45F9}" dt="2020-12-13T16:53:53.669" v="133" actId="1076"/>
         <pc:sldMkLst>
           <pc:docMk/>
           <pc:sldMk cId="272990833" sldId="626"/>
@@ -415,12 +414,28 @@
             <ac:picMk id="6" creationId="{607FF471-E799-4573-AF64-C1A369959151}"/>
           </ac:picMkLst>
         </pc:picChg>
-        <pc:picChg chg="add mod">
-          <ac:chgData name="Daniel Juncks" userId="0f121773a5ae8ec2" providerId="LiveId" clId="{3C1E1E92-9E70-4B86-81B7-AD408E1B45F9}" dt="2020-12-13T14:28:31.525" v="28" actId="1076"/>
+        <pc:picChg chg="add del mod">
+          <ac:chgData name="Daniel Juncks" userId="0f121773a5ae8ec2" providerId="LiveId" clId="{3C1E1E92-9E70-4B86-81B7-AD408E1B45F9}" dt="2020-12-13T16:53:30.221" v="126" actId="478"/>
+          <ac:picMkLst>
+            <pc:docMk/>
+            <pc:sldMk cId="272990833" sldId="626"/>
+            <ac:picMk id="6" creationId="{88A07EC3-4F7A-41B6-8C2F-304E01888EA9}"/>
+          </ac:picMkLst>
+        </pc:picChg>
+        <pc:picChg chg="add del mod">
+          <ac:chgData name="Daniel Juncks" userId="0f121773a5ae8ec2" providerId="LiveId" clId="{3C1E1E92-9E70-4B86-81B7-AD408E1B45F9}" dt="2020-12-13T16:46:21.460" v="118" actId="478"/>
           <ac:picMkLst>
             <pc:docMk/>
             <pc:sldMk cId="272990833" sldId="626"/>
             <ac:picMk id="8" creationId="{8125E13F-6E23-45B2-842A-110B90DFA051}"/>
+          </ac:picMkLst>
+        </pc:picChg>
+        <pc:picChg chg="add mod">
+          <ac:chgData name="Daniel Juncks" userId="0f121773a5ae8ec2" providerId="LiveId" clId="{3C1E1E92-9E70-4B86-81B7-AD408E1B45F9}" dt="2020-12-13T16:53:53.669" v="133" actId="1076"/>
+          <ac:picMkLst>
+            <pc:docMk/>
+            <pc:sldMk cId="272990833" sldId="626"/>
+            <ac:picMk id="9" creationId="{4C655332-4932-4403-AE4D-2B2C09C0D1C3}"/>
           </ac:picMkLst>
         </pc:picChg>
       </pc:sldChg>
@@ -11179,42 +11194,6 @@
       </p:sp>
       <p:pic>
         <p:nvPicPr>
-          <p:cNvPr id="8" name="Imagem 7" descr="Uma imagem contendo Diagrama, Linha do tempo&#10;&#10;Descrição gerada automaticamente">
-            <a:extLst>
-              <a:ext uri="{FF2B5EF4-FFF2-40B4-BE49-F238E27FC236}">
-                <a16:creationId xmlns:a16="http://schemas.microsoft.com/office/drawing/2014/main" id="{8125E13F-6E23-45B2-842A-110B90DFA051}"/>
-              </a:ext>
-            </a:extLst>
-          </p:cNvPr>
-          <p:cNvPicPr>
-            <a:picLocks noChangeAspect="1"/>
-          </p:cNvPicPr>
-          <p:nvPr/>
-        </p:nvPicPr>
-        <p:blipFill>
-          <a:blip r:embed="rId2">
-            <a:extLst>
-              <a:ext uri="{28A0092B-C50C-407E-A947-70E740481C1C}">
-                <a14:useLocalDpi xmlns:a14="http://schemas.microsoft.com/office/drawing/2010/main" val="0"/>
-              </a:ext>
-            </a:extLst>
-          </a:blip>
-          <a:stretch>
-            <a:fillRect/>
-          </a:stretch>
-        </p:blipFill>
-        <p:spPr>
-          <a:xfrm>
-            <a:off x="2184972" y="735333"/>
-            <a:ext cx="9099273" cy="6501682"/>
-          </a:xfrm>
-          <a:prstGeom prst="rect">
-            <a:avLst/>
-          </a:prstGeom>
-        </p:spPr>
-      </p:pic>
-      <p:pic>
-        <p:nvPicPr>
           <p:cNvPr id="5" name="Imagem 4">
             <a:extLst>
               <a:ext uri="{FF2B5EF4-FFF2-40B4-BE49-F238E27FC236}">
@@ -11226,7 +11205,7 @@
           <p:nvPr/>
         </p:nvPicPr>
         <p:blipFill>
-          <a:blip r:embed="rId3">
+          <a:blip r:embed="rId2">
             <a:extLst>
               <a:ext uri="{28A0092B-C50C-407E-A947-70E740481C1C}">
                 <a14:useLocalDpi xmlns:a14="http://schemas.microsoft.com/office/drawing/2010/main" val="0"/>
@@ -11250,6 +11229,42 @@
           <a:ln>
             <a:noFill/>
           </a:ln>
+        </p:spPr>
+      </p:pic>
+      <p:pic>
+        <p:nvPicPr>
+          <p:cNvPr id="9" name="Imagem 8" descr="Diagrama&#10;&#10;Descrição gerada automaticamente">
+            <a:extLst>
+              <a:ext uri="{FF2B5EF4-FFF2-40B4-BE49-F238E27FC236}">
+                <a16:creationId xmlns:a16="http://schemas.microsoft.com/office/drawing/2014/main" id="{4C655332-4932-4403-AE4D-2B2C09C0D1C3}"/>
+              </a:ext>
+            </a:extLst>
+          </p:cNvPr>
+          <p:cNvPicPr>
+            <a:picLocks noChangeAspect="1"/>
+          </p:cNvPicPr>
+          <p:nvPr/>
+        </p:nvPicPr>
+        <p:blipFill>
+          <a:blip r:embed="rId3">
+            <a:extLst>
+              <a:ext uri="{28A0092B-C50C-407E-A947-70E740481C1C}">
+                <a14:useLocalDpi xmlns:a14="http://schemas.microsoft.com/office/drawing/2010/main" val="0"/>
+              </a:ext>
+            </a:extLst>
+          </a:blip>
+          <a:stretch>
+            <a:fillRect/>
+          </a:stretch>
+        </p:blipFill>
+        <p:spPr>
+          <a:xfrm>
+            <a:off x="2184972" y="735892"/>
+            <a:ext cx="8466863" cy="6303695"/>
+          </a:xfrm>
+          <a:prstGeom prst="rect">
+            <a:avLst/>
+          </a:prstGeom>
         </p:spPr>
       </p:pic>
     </p:spTree>
@@ -14888,6 +14903,15 @@
 </file>
 
 <file path=customXml/item1.xml><?xml version="1.0" encoding="utf-8"?>
+<?mso-contentType ?>
+<FormTemplates xmlns="http://schemas.microsoft.com/sharepoint/v3/contenttype/forms">
+  <Display>DocumentLibraryForm</Display>
+  <Edit>DocumentLibraryForm</Edit>
+  <New>DocumentLibraryForm</New>
+</FormTemplates>
+</file>
+
+<file path=customXml/item2.xml><?xml version="1.0" encoding="utf-8"?>
 <ct:contentTypeSchema xmlns:ct="http://schemas.microsoft.com/office/2006/metadata/contentType" xmlns:ma="http://schemas.microsoft.com/office/2006/metadata/properties/metaAttributes" ct:_="" ma:_="" ma:contentTypeName="Document" ma:contentTypeID="0x0101001132905C37EA9847A7207C4BBCCCD8F4" ma:contentTypeVersion="13" ma:contentTypeDescription="Create a new document." ma:contentTypeScope="" ma:versionID="0fa59793b99d27e1e0b856ab72ac2f0d">
   <xsd:schema xmlns:xsd="http://www.w3.org/2001/XMLSchema" xmlns:xs="http://www.w3.org/2001/XMLSchema" xmlns:p="http://schemas.microsoft.com/office/2006/metadata/properties" xmlns:ns3="4327b14a-fe89-488e-9f6d-9658cacf372b" xmlns:ns4="bbcd8c33-6940-4d4c-a587-bbc736ca1e4d" targetNamespace="http://schemas.microsoft.com/office/2006/metadata/properties" ma:root="true" ma:fieldsID="01494effa1b4414faf4d9851fe547c93" ns3:_="" ns4:_="">
     <xsd:import namespace="4327b14a-fe89-488e-9f6d-9658cacf372b"/>
@@ -15110,15 +15134,6 @@
 </ct:contentTypeSchema>
 </file>
 
-<file path=customXml/item2.xml><?xml version="1.0" encoding="utf-8"?>
-<?mso-contentType ?>
-<FormTemplates xmlns="http://schemas.microsoft.com/sharepoint/v3/contenttype/forms">
-  <Display>DocumentLibraryForm</Display>
-  <Edit>DocumentLibraryForm</Edit>
-  <New>DocumentLibraryForm</New>
-</FormTemplates>
-</file>
-
 <file path=customXml/item3.xml><?xml version="1.0" encoding="utf-8"?>
 <p:properties xmlns:p="http://schemas.microsoft.com/office/2006/metadata/properties" xmlns:xsi="http://www.w3.org/2001/XMLSchema-instance" xmlns:pc="http://schemas.microsoft.com/office/infopath/2007/PartnerControls">
   <documentManagement/>
@@ -15126,6 +15141,14 @@
 </file>
 
 <file path=customXml/itemProps1.xml><?xml version="1.0" encoding="utf-8"?>
+<ds:datastoreItem xmlns:ds="http://schemas.openxmlformats.org/officeDocument/2006/customXml" ds:itemID="{C5C26249-539D-4496-936B-3CD83A43905E}">
+  <ds:schemaRefs>
+    <ds:schemaRef ds:uri="http://schemas.microsoft.com/sharepoint/v3/contenttype/forms"/>
+  </ds:schemaRefs>
+</ds:datastoreItem>
+</file>
+
+<file path=customXml/itemProps2.xml><?xml version="1.0" encoding="utf-8"?>
 <ds:datastoreItem xmlns:ds="http://schemas.openxmlformats.org/officeDocument/2006/customXml" ds:itemID="{6DE4A8B5-68AC-4B03-B2A1-E04BE1806673}">
   <ds:schemaRefs>
     <ds:schemaRef ds:uri="http://schemas.microsoft.com/office/2006/metadata/contentType"/>
@@ -15140,14 +15163,6 @@
     <ds:schemaRef ds:uri="http://purl.org/dc/elements/1.1/"/>
     <ds:schemaRef ds:uri="http://purl.org/dc/terms/"/>
     <ds:schemaRef ds:uri="http://schemas.microsoft.com/internal/obd"/>
-  </ds:schemaRefs>
-</ds:datastoreItem>
-</file>
-
-<file path=customXml/itemProps2.xml><?xml version="1.0" encoding="utf-8"?>
-<ds:datastoreItem xmlns:ds="http://schemas.openxmlformats.org/officeDocument/2006/customXml" ds:itemID="{C5C26249-539D-4496-936B-3CD83A43905E}">
-  <ds:schemaRefs>
-    <ds:schemaRef ds:uri="http://schemas.microsoft.com/sharepoint/v3/contenttype/forms"/>
   </ds:schemaRefs>
 </ds:datastoreItem>
 </file>

--- a/Blood4Life/Sprint-3/Apresentação/ApresentacaoFinal-Blood4life.pptx
+++ b/Blood4Life/Sprint-3/Apresentação/ApresentacaoFinal-Blood4life.pptx
@@ -19,8 +19,8 @@
     <p:sldId id="623" r:id="rId10"/>
     <p:sldId id="624" r:id="rId11"/>
     <p:sldId id="620" r:id="rId12"/>
-    <p:sldId id="625" r:id="rId13"/>
-    <p:sldId id="622" r:id="rId14"/>
+    <p:sldId id="622" r:id="rId13"/>
+    <p:sldId id="630" r:id="rId14"/>
     <p:sldId id="626" r:id="rId15"/>
     <p:sldId id="627" r:id="rId16"/>
     <p:sldId id="601" r:id="rId17"/>
@@ -148,7 +148,7 @@
 <file path=ppt/revisionInfo.xml><?xml version="1.0" encoding="utf-8"?>
 <p1510:revInfo xmlns:a="http://schemas.openxmlformats.org/drawingml/2006/main" xmlns:r="http://schemas.openxmlformats.org/officeDocument/2006/relationships" xmlns:p1510="http://schemas.microsoft.com/office/powerpoint/2015/10/main">
   <p1510:revLst>
-    <p1510:client id="{3C1E1E92-9E70-4B86-81B7-AD408E1B45F9}" v="30" dt="2020-12-13T16:53:40.742"/>
+    <p1510:client id="{3C1E1E92-9E70-4B86-81B7-AD408E1B45F9}" v="36" dt="2020-12-14T01:54:31.151"/>
   </p1510:revLst>
 </p1510:revInfo>
 </file>
@@ -157,11 +157,18 @@
 <pc:chgInfo xmlns:a="http://schemas.openxmlformats.org/drawingml/2006/main" xmlns:r="http://schemas.openxmlformats.org/officeDocument/2006/relationships" xmlns:ac="http://schemas.microsoft.com/office/drawing/2013/main/command" xmlns:pc="http://schemas.microsoft.com/office/powerpoint/2013/main/command">
   <pc:docChgLst>
     <pc:chgData name="Daniel Juncks" userId="0f121773a5ae8ec2" providerId="LiveId" clId="{3C1E1E92-9E70-4B86-81B7-AD408E1B45F9}"/>
-    <pc:docChg chg="undo custSel modSld">
-      <pc:chgData name="Daniel Juncks" userId="0f121773a5ae8ec2" providerId="LiveId" clId="{3C1E1E92-9E70-4B86-81B7-AD408E1B45F9}" dt="2020-12-13T16:53:53.669" v="133" actId="1076"/>
+    <pc:docChg chg="undo custSel addSld delSld modSld sldOrd">
+      <pc:chgData name="Daniel Juncks" userId="0f121773a5ae8ec2" providerId="LiveId" clId="{3C1E1E92-9E70-4B86-81B7-AD408E1B45F9}" dt="2020-12-14T21:07:53.332" v="431" actId="1076"/>
       <pc:docMkLst>
         <pc:docMk/>
       </pc:docMkLst>
+      <pc:sldChg chg="add del">
+        <pc:chgData name="Daniel Juncks" userId="0f121773a5ae8ec2" providerId="LiveId" clId="{3C1E1E92-9E70-4B86-81B7-AD408E1B45F9}" dt="2020-12-14T01:46:35.861" v="318"/>
+        <pc:sldMkLst>
+          <pc:docMk/>
+          <pc:sldMk cId="4187881760" sldId="257"/>
+        </pc:sldMkLst>
+      </pc:sldChg>
       <pc:sldChg chg="addSp delSp modSp mod">
         <pc:chgData name="Daniel Juncks" userId="0f121773a5ae8ec2" providerId="LiveId" clId="{3C1E1E92-9E70-4B86-81B7-AD408E1B45F9}" dt="2020-12-13T14:41:07.034" v="117"/>
         <pc:sldMkLst>
@@ -254,11 +261,19 @@
         </pc:picChg>
       </pc:sldChg>
       <pc:sldChg chg="addSp modSp mod">
-        <pc:chgData name="Daniel Juncks" userId="0f121773a5ae8ec2" providerId="LiveId" clId="{3C1E1E92-9E70-4B86-81B7-AD408E1B45F9}" dt="2020-12-13T14:40:50.449" v="112" actId="1036"/>
+        <pc:chgData name="Daniel Juncks" userId="0f121773a5ae8ec2" providerId="LiveId" clId="{3C1E1E92-9E70-4B86-81B7-AD408E1B45F9}" dt="2020-12-14T01:54:31.150" v="424" actId="1036"/>
         <pc:sldMkLst>
           <pc:docMk/>
           <pc:sldMk cId="2638899969" sldId="620"/>
         </pc:sldMkLst>
+        <pc:spChg chg="mod">
+          <ac:chgData name="Daniel Juncks" userId="0f121773a5ae8ec2" providerId="LiveId" clId="{3C1E1E92-9E70-4B86-81B7-AD408E1B45F9}" dt="2020-12-14T01:53:32.455" v="423" actId="20577"/>
+          <ac:spMkLst>
+            <pc:docMk/>
+            <pc:sldMk cId="2638899969" sldId="620"/>
+            <ac:spMk id="4" creationId="{00000000-0000-0000-0000-000000000000}"/>
+          </ac:spMkLst>
+        </pc:spChg>
         <pc:picChg chg="add mod">
           <ac:chgData name="Daniel Juncks" userId="0f121773a5ae8ec2" providerId="LiveId" clId="{3C1E1E92-9E70-4B86-81B7-AD408E1B45F9}" dt="2020-12-13T14:32:17.166" v="51" actId="1076"/>
           <ac:picMkLst>
@@ -284,7 +299,7 @@
           </ac:picMkLst>
         </pc:picChg>
         <pc:picChg chg="mod">
-          <ac:chgData name="Daniel Juncks" userId="0f121773a5ae8ec2" providerId="LiveId" clId="{3C1E1E92-9E70-4B86-81B7-AD408E1B45F9}" dt="2020-12-13T14:32:05.444" v="46" actId="14100"/>
+          <ac:chgData name="Daniel Juncks" userId="0f121773a5ae8ec2" providerId="LiveId" clId="{3C1E1E92-9E70-4B86-81B7-AD408E1B45F9}" dt="2020-12-14T01:54:31.150" v="424" actId="1036"/>
           <ac:picMkLst>
             <pc:docMk/>
             <pc:sldMk cId="2638899969" sldId="620"/>
@@ -293,11 +308,27 @@
         </pc:picChg>
       </pc:sldChg>
       <pc:sldChg chg="addSp delSp modSp mod">
-        <pc:chgData name="Daniel Juncks" userId="0f121773a5ae8ec2" providerId="LiveId" clId="{3C1E1E92-9E70-4B86-81B7-AD408E1B45F9}" dt="2020-12-13T14:40:56.400" v="114"/>
+        <pc:chgData name="Daniel Juncks" userId="0f121773a5ae8ec2" providerId="LiveId" clId="{3C1E1E92-9E70-4B86-81B7-AD408E1B45F9}" dt="2020-12-14T21:07:53.332" v="431" actId="1076"/>
         <pc:sldMkLst>
           <pc:docMk/>
           <pc:sldMk cId="1180922431" sldId="622"/>
         </pc:sldMkLst>
+        <pc:spChg chg="mod">
+          <ac:chgData name="Daniel Juncks" userId="0f121773a5ae8ec2" providerId="LiveId" clId="{3C1E1E92-9E70-4B86-81B7-AD408E1B45F9}" dt="2020-12-14T01:51:46.672" v="385" actId="20577"/>
+          <ac:spMkLst>
+            <pc:docMk/>
+            <pc:sldMk cId="1180922431" sldId="622"/>
+            <ac:spMk id="4" creationId="{00000000-0000-0000-0000-000000000000}"/>
+          </ac:spMkLst>
+        </pc:spChg>
+        <pc:spChg chg="add del">
+          <ac:chgData name="Daniel Juncks" userId="0f121773a5ae8ec2" providerId="LiveId" clId="{3C1E1E92-9E70-4B86-81B7-AD408E1B45F9}" dt="2020-12-14T01:46:19.680" v="316" actId="22"/>
+          <ac:spMkLst>
+            <pc:docMk/>
+            <pc:sldMk cId="1180922431" sldId="622"/>
+            <ac:spMk id="7" creationId="{F6240E82-965F-4557-A079-258343D00320}"/>
+          </ac:spMkLst>
+        </pc:spChg>
         <pc:picChg chg="add del mod">
           <ac:chgData name="Daniel Juncks" userId="0f121773a5ae8ec2" providerId="LiveId" clId="{3C1E1E92-9E70-4B86-81B7-AD408E1B45F9}" dt="2020-12-13T14:29:58.363" v="32" actId="478"/>
           <ac:picMkLst>
@@ -312,6 +343,14 @@
             <pc:docMk/>
             <pc:sldMk cId="1180922431" sldId="622"/>
             <ac:picMk id="5" creationId="{A088CD38-4D41-4B8C-BD0C-B7E197501FE7}"/>
+          </ac:picMkLst>
+        </pc:picChg>
+        <pc:picChg chg="add mod">
+          <ac:chgData name="Daniel Juncks" userId="0f121773a5ae8ec2" providerId="LiveId" clId="{3C1E1E92-9E70-4B86-81B7-AD408E1B45F9}" dt="2020-12-14T21:07:53.332" v="431" actId="1076"/>
+          <ac:picMkLst>
+            <pc:docMk/>
+            <pc:sldMk cId="1180922431" sldId="622"/>
+            <ac:picMk id="6" creationId="{756B4562-2DC7-4BE7-BFE3-20B9B3B343B0}"/>
           </ac:picMkLst>
         </pc:picChg>
         <pc:picChg chg="del">
@@ -330,8 +369,8 @@
             <ac:picMk id="8" creationId="{D630A4CF-9E2C-4044-A0D4-C2BB5EAC24D4}"/>
           </ac:picMkLst>
         </pc:picChg>
-        <pc:picChg chg="add mod">
-          <ac:chgData name="Daniel Juncks" userId="0f121773a5ae8ec2" providerId="LiveId" clId="{3C1E1E92-9E70-4B86-81B7-AD408E1B45F9}" dt="2020-12-13T14:31:07.896" v="40" actId="1076"/>
+        <pc:picChg chg="add del mod">
+          <ac:chgData name="Daniel Juncks" userId="0f121773a5ae8ec2" providerId="LiveId" clId="{3C1E1E92-9E70-4B86-81B7-AD408E1B45F9}" dt="2020-12-14T21:07:34.179" v="425" actId="478"/>
           <ac:picMkLst>
             <pc:docMk/>
             <pc:sldMk cId="1180922431" sldId="622"/>
@@ -339,8 +378,8 @@
           </ac:picMkLst>
         </pc:picChg>
       </pc:sldChg>
-      <pc:sldChg chg="addSp modSp">
-        <pc:chgData name="Daniel Juncks" userId="0f121773a5ae8ec2" providerId="LiveId" clId="{3C1E1E92-9E70-4B86-81B7-AD408E1B45F9}" dt="2020-12-13T14:40:33.774" v="108"/>
+      <pc:sldChg chg="addSp modSp mod">
+        <pc:chgData name="Daniel Juncks" userId="0f121773a5ae8ec2" providerId="LiveId" clId="{3C1E1E92-9E70-4B86-81B7-AD408E1B45F9}" dt="2020-12-14T01:23:28.755" v="134" actId="1036"/>
         <pc:sldMkLst>
           <pc:docMk/>
           <pc:sldMk cId="2009834179" sldId="623"/>
@@ -351,6 +390,14 @@
             <pc:docMk/>
             <pc:sldMk cId="2009834179" sldId="623"/>
             <ac:picMk id="6" creationId="{363EDEBF-4D12-4CA6-AE31-B8C46C7F5ABA}"/>
+          </ac:picMkLst>
+        </pc:picChg>
+        <pc:picChg chg="mod">
+          <ac:chgData name="Daniel Juncks" userId="0f121773a5ae8ec2" providerId="LiveId" clId="{3C1E1E92-9E70-4B86-81B7-AD408E1B45F9}" dt="2020-12-14T01:23:28.755" v="134" actId="1036"/>
+          <ac:picMkLst>
+            <pc:docMk/>
+            <pc:sldMk cId="2009834179" sldId="623"/>
+            <ac:picMk id="7" creationId="{2A273869-FDE5-4CD2-9584-3A2EC51B6F22}"/>
           </ac:picMkLst>
         </pc:picChg>
       </pc:sldChg>
@@ -369,8 +416,8 @@
           </ac:picMkLst>
         </pc:picChg>
       </pc:sldChg>
-      <pc:sldChg chg="addSp modSp">
-        <pc:chgData name="Daniel Juncks" userId="0f121773a5ae8ec2" providerId="LiveId" clId="{3C1E1E92-9E70-4B86-81B7-AD408E1B45F9}" dt="2020-12-13T14:40:53.730" v="113"/>
+      <pc:sldChg chg="addSp modSp del">
+        <pc:chgData name="Daniel Juncks" userId="0f121773a5ae8ec2" providerId="LiveId" clId="{3C1E1E92-9E70-4B86-81B7-AD408E1B45F9}" dt="2020-12-14T01:51:42.595" v="383" actId="47"/>
         <pc:sldMkLst>
           <pc:docMk/>
           <pc:sldMk cId="33839477" sldId="625"/>
@@ -385,11 +432,19 @@
         </pc:picChg>
       </pc:sldChg>
       <pc:sldChg chg="addSp delSp modSp mod">
-        <pc:chgData name="Daniel Juncks" userId="0f121773a5ae8ec2" providerId="LiveId" clId="{3C1E1E92-9E70-4B86-81B7-AD408E1B45F9}" dt="2020-12-13T16:53:53.669" v="133" actId="1076"/>
+        <pc:chgData name="Daniel Juncks" userId="0f121773a5ae8ec2" providerId="LiveId" clId="{3C1E1E92-9E70-4B86-81B7-AD408E1B45F9}" dt="2020-12-14T01:51:55.727" v="389" actId="20577"/>
         <pc:sldMkLst>
           <pc:docMk/>
           <pc:sldMk cId="272990833" sldId="626"/>
         </pc:sldMkLst>
+        <pc:spChg chg="mod">
+          <ac:chgData name="Daniel Juncks" userId="0f121773a5ae8ec2" providerId="LiveId" clId="{3C1E1E92-9E70-4B86-81B7-AD408E1B45F9}" dt="2020-12-14T01:51:55.727" v="389" actId="20577"/>
+          <ac:spMkLst>
+            <pc:docMk/>
+            <pc:sldMk cId="272990833" sldId="626"/>
+            <ac:spMk id="4" creationId="{00000000-0000-0000-0000-000000000000}"/>
+          </ac:spMkLst>
+        </pc:spChg>
         <pc:picChg chg="del">
           <ac:chgData name="Daniel Juncks" userId="0f121773a5ae8ec2" providerId="LiveId" clId="{3C1E1E92-9E70-4B86-81B7-AD408E1B45F9}" dt="2020-12-13T14:21:56.371" v="1" actId="478"/>
           <ac:picMkLst>
@@ -440,11 +495,19 @@
         </pc:picChg>
       </pc:sldChg>
       <pc:sldChg chg="addSp delSp modSp mod">
-        <pc:chgData name="Daniel Juncks" userId="0f121773a5ae8ec2" providerId="LiveId" clId="{3C1E1E92-9E70-4B86-81B7-AD408E1B45F9}" dt="2020-12-13T14:41:01.288" v="116"/>
+        <pc:chgData name="Daniel Juncks" userId="0f121773a5ae8ec2" providerId="LiveId" clId="{3C1E1E92-9E70-4B86-81B7-AD408E1B45F9}" dt="2020-12-14T01:51:59.891" v="391" actId="20577"/>
         <pc:sldMkLst>
           <pc:docMk/>
           <pc:sldMk cId="3178815197" sldId="627"/>
         </pc:sldMkLst>
+        <pc:spChg chg="mod">
+          <ac:chgData name="Daniel Juncks" userId="0f121773a5ae8ec2" providerId="LiveId" clId="{3C1E1E92-9E70-4B86-81B7-AD408E1B45F9}" dt="2020-12-14T01:51:59.891" v="391" actId="20577"/>
+          <ac:spMkLst>
+            <pc:docMk/>
+            <pc:sldMk cId="3178815197" sldId="627"/>
+            <ac:spMk id="4" creationId="{00000000-0000-0000-0000-000000000000}"/>
+          </ac:spMkLst>
+        </pc:spChg>
         <pc:picChg chg="add mod">
           <ac:chgData name="Daniel Juncks" userId="0f121773a5ae8ec2" providerId="LiveId" clId="{3C1E1E92-9E70-4B86-81B7-AD408E1B45F9}" dt="2020-12-13T14:22:50.121" v="8" actId="1076"/>
           <ac:picMkLst>
@@ -467,6 +530,84 @@
             <pc:docMk/>
             <pc:sldMk cId="3178815197" sldId="627"/>
             <ac:picMk id="6" creationId="{D70E98B5-BB63-4CD3-A899-F1110D921149}"/>
+          </ac:picMkLst>
+        </pc:picChg>
+      </pc:sldChg>
+      <pc:sldChg chg="delSp modSp add del mod ord">
+        <pc:chgData name="Daniel Juncks" userId="0f121773a5ae8ec2" providerId="LiveId" clId="{3C1E1E92-9E70-4B86-81B7-AD408E1B45F9}" dt="2020-12-14T01:53:16.422" v="394" actId="47"/>
+        <pc:sldMkLst>
+          <pc:docMk/>
+          <pc:sldMk cId="1024609604" sldId="629"/>
+        </pc:sldMkLst>
+        <pc:spChg chg="mod">
+          <ac:chgData name="Daniel Juncks" userId="0f121773a5ae8ec2" providerId="LiveId" clId="{3C1E1E92-9E70-4B86-81B7-AD408E1B45F9}" dt="2020-12-14T01:52:51.954" v="393" actId="20577"/>
+          <ac:spMkLst>
+            <pc:docMk/>
+            <pc:sldMk cId="1024609604" sldId="629"/>
+            <ac:spMk id="2" creationId="{00000000-0000-0000-0000-000000000000}"/>
+          </ac:spMkLst>
+        </pc:spChg>
+        <pc:spChg chg="mod">
+          <ac:chgData name="Daniel Juncks" userId="0f121773a5ae8ec2" providerId="LiveId" clId="{3C1E1E92-9E70-4B86-81B7-AD408E1B45F9}" dt="2020-12-14T01:37:18.636" v="314" actId="20577"/>
+          <ac:spMkLst>
+            <pc:docMk/>
+            <pc:sldMk cId="1024609604" sldId="629"/>
+            <ac:spMk id="4" creationId="{00000000-0000-0000-0000-000000000000}"/>
+          </ac:spMkLst>
+        </pc:spChg>
+        <pc:picChg chg="del">
+          <ac:chgData name="Daniel Juncks" userId="0f121773a5ae8ec2" providerId="LiveId" clId="{3C1E1E92-9E70-4B86-81B7-AD408E1B45F9}" dt="2020-12-14T01:28:34.581" v="246" actId="478"/>
+          <ac:picMkLst>
+            <pc:docMk/>
+            <pc:sldMk cId="1024609604" sldId="629"/>
+            <ac:picMk id="7" creationId="{6D6A9871-28F3-4BDA-8402-7C6D4009F3E6}"/>
+          </ac:picMkLst>
+        </pc:picChg>
+        <pc:picChg chg="del">
+          <ac:chgData name="Daniel Juncks" userId="0f121773a5ae8ec2" providerId="LiveId" clId="{3C1E1E92-9E70-4B86-81B7-AD408E1B45F9}" dt="2020-12-14T01:28:36.096" v="247" actId="478"/>
+          <ac:picMkLst>
+            <pc:docMk/>
+            <pc:sldMk cId="1024609604" sldId="629"/>
+            <ac:picMk id="5122" creationId="{2339E59D-0D8E-445D-A10E-173199C67873}"/>
+          </ac:picMkLst>
+        </pc:picChg>
+        <pc:picChg chg="del">
+          <ac:chgData name="Daniel Juncks" userId="0f121773a5ae8ec2" providerId="LiveId" clId="{3C1E1E92-9E70-4B86-81B7-AD408E1B45F9}" dt="2020-12-14T01:28:31.990" v="245" actId="478"/>
+          <ac:picMkLst>
+            <pc:docMk/>
+            <pc:sldMk cId="1024609604" sldId="629"/>
+            <ac:picMk id="6146" creationId="{1B585908-EE42-49CB-8F4D-4251ECC4021A}"/>
+          </ac:picMkLst>
+        </pc:picChg>
+      </pc:sldChg>
+      <pc:sldChg chg="addSp delSp modSp add mod ord">
+        <pc:chgData name="Daniel Juncks" userId="0f121773a5ae8ec2" providerId="LiveId" clId="{3C1E1E92-9E70-4B86-81B7-AD408E1B45F9}" dt="2020-12-14T01:51:52.033" v="387" actId="20577"/>
+        <pc:sldMkLst>
+          <pc:docMk/>
+          <pc:sldMk cId="2457591918" sldId="630"/>
+        </pc:sldMkLst>
+        <pc:spChg chg="mod">
+          <ac:chgData name="Daniel Juncks" userId="0f121773a5ae8ec2" providerId="LiveId" clId="{3C1E1E92-9E70-4B86-81B7-AD408E1B45F9}" dt="2020-12-14T01:51:52.033" v="387" actId="20577"/>
+          <ac:spMkLst>
+            <pc:docMk/>
+            <pc:sldMk cId="2457591918" sldId="630"/>
+            <ac:spMk id="4" creationId="{00000000-0000-0000-0000-000000000000}"/>
+          </ac:spMkLst>
+        </pc:spChg>
+        <pc:picChg chg="add mod">
+          <ac:chgData name="Daniel Juncks" userId="0f121773a5ae8ec2" providerId="LiveId" clId="{3C1E1E92-9E70-4B86-81B7-AD408E1B45F9}" dt="2020-12-14T01:49:27.511" v="372" actId="1076"/>
+          <ac:picMkLst>
+            <pc:docMk/>
+            <pc:sldMk cId="2457591918" sldId="630"/>
+            <ac:picMk id="6" creationId="{997CC8F7-D89B-400F-80B9-33BFB7917527}"/>
+          </ac:picMkLst>
+        </pc:picChg>
+        <pc:picChg chg="del">
+          <ac:chgData name="Daniel Juncks" userId="0f121773a5ae8ec2" providerId="LiveId" clId="{3C1E1E92-9E70-4B86-81B7-AD408E1B45F9}" dt="2020-12-14T01:48:54.062" v="322" actId="478"/>
+          <ac:picMkLst>
+            <pc:docMk/>
+            <pc:sldMk cId="2457591918" sldId="630"/>
+            <ac:picMk id="9" creationId="{4C655332-4932-4403-AE4D-2B2C09C0D1C3}"/>
           </ac:picMkLst>
         </pc:picChg>
       </pc:sldChg>
@@ -1844,7 +1985,7 @@
             <a:fld id="{C3CD65D1-5C11-455D-9F9A-0E035F00A0DA}" type="datetimeFigureOut">
               <a:rPr lang="pt-BR" smtClean="0"/>
               <a:pPr/>
-              <a:t>13/12/2020</a:t>
+              <a:t>14/12/2020</a:t>
             </a:fld>
             <a:endParaRPr lang="pt-BR"/>
           </a:p>
@@ -2012,7 +2153,7 @@
             <a:fld id="{A05DA3EF-18EA-43DE-B1BB-402A3C558822}" type="datetimeFigureOut">
               <a:rPr lang="pt-BR" smtClean="0"/>
               <a:pPr/>
-              <a:t>13/12/2020</a:t>
+              <a:t>14/12/2020</a:t>
             </a:fld>
             <a:endParaRPr lang="pt-BR"/>
           </a:p>
@@ -12914,7 +13055,7 @@
         </p:blipFill>
         <p:spPr>
           <a:xfrm>
-            <a:off x="1355462" y="1482639"/>
+            <a:off x="1355462" y="1493030"/>
             <a:ext cx="10822193" cy="4945830"/>
           </a:xfrm>
           <a:prstGeom prst="rect">
@@ -13263,7 +13404,7 @@
           <a:p>
             <a:r>
               <a:rPr lang="pt-BR" dirty="0"/>
-              <a:t>4. Principais desafios durante a pandemia</a:t>
+              <a:t>4. Desafios durante a pandemia</a:t>
             </a:r>
           </a:p>
         </p:txBody>
@@ -13344,7 +13485,7 @@
         </p:blipFill>
         <p:spPr bwMode="auto">
           <a:xfrm>
-            <a:off x="747010" y="2718594"/>
+            <a:off x="747010" y="2728985"/>
             <a:ext cx="5560272" cy="1549926"/>
           </a:xfrm>
           <a:prstGeom prst="rect">
@@ -13524,17 +13665,17 @@
           <a:p>
             <a:r>
               <a:rPr lang="pt-BR" dirty="0"/>
-              <a:t>5. Diagrama de Solução</a:t>
+              <a:t>5. Diagrama de Arquitetura </a:t>
             </a:r>
           </a:p>
         </p:txBody>
       </p:sp>
       <p:pic>
         <p:nvPicPr>
-          <p:cNvPr id="7" name="Imagem 6">
+          <p:cNvPr id="5" name="Imagem 4">
             <a:extLst>
               <a:ext uri="{FF2B5EF4-FFF2-40B4-BE49-F238E27FC236}">
-                <a16:creationId xmlns:a16="http://schemas.microsoft.com/office/drawing/2014/main" id="{372D24A5-14E6-4B24-8CD9-9364A6F24583}"/>
+                <a16:creationId xmlns:a16="http://schemas.microsoft.com/office/drawing/2014/main" id="{A088CD38-4D41-4B8C-BD0C-B7E197501FE7}"/>
               </a:ext>
             </a:extLst>
           </p:cNvPr>
@@ -13542,46 +13683,7 @@
           <p:nvPr/>
         </p:nvPicPr>
         <p:blipFill>
-          <a:blip r:embed="rId2" cstate="print">
-            <a:extLst>
-              <a:ext uri="{28A0092B-C50C-407E-A947-70E740481C1C}">
-                <a14:useLocalDpi xmlns:a14="http://schemas.microsoft.com/office/drawing/2010/main" val="0"/>
-              </a:ext>
-            </a:extLst>
-          </a:blip>
-          <a:srcRect/>
-          <a:stretch>
-            <a:fillRect/>
-          </a:stretch>
-        </p:blipFill>
-        <p:spPr bwMode="auto">
-          <a:xfrm>
-            <a:off x="2184972" y="1088613"/>
-            <a:ext cx="8756997" cy="5384036"/>
-          </a:xfrm>
-          <a:prstGeom prst="rect">
-            <a:avLst/>
-          </a:prstGeom>
-          <a:noFill/>
-          <a:ln>
-            <a:noFill/>
-          </a:ln>
-        </p:spPr>
-      </p:pic>
-      <p:pic>
-        <p:nvPicPr>
-          <p:cNvPr id="5" name="Imagem 4">
-            <a:extLst>
-              <a:ext uri="{FF2B5EF4-FFF2-40B4-BE49-F238E27FC236}">
-                <a16:creationId xmlns:a16="http://schemas.microsoft.com/office/drawing/2014/main" id="{11C003C3-F87D-4409-91E3-61C257FBF746}"/>
-              </a:ext>
-            </a:extLst>
-          </p:cNvPr>
-          <p:cNvPicPr/>
-          <p:nvPr/>
-        </p:nvPicPr>
-        <p:blipFill>
-          <a:blip r:embed="rId3">
+          <a:blip r:embed="rId2">
             <a:extLst>
               <a:ext uri="{28A0092B-C50C-407E-A947-70E740481C1C}">
                 <a14:useLocalDpi xmlns:a14="http://schemas.microsoft.com/office/drawing/2010/main" val="0"/>
@@ -13607,10 +13709,40 @@
           </a:ln>
         </p:spPr>
       </p:pic>
+      <p:pic>
+        <p:nvPicPr>
+          <p:cNvPr id="6" name="Imagem 5">
+            <a:extLst>
+              <a:ext uri="{FF2B5EF4-FFF2-40B4-BE49-F238E27FC236}">
+                <a16:creationId xmlns:a16="http://schemas.microsoft.com/office/drawing/2014/main" id="{756B4562-2DC7-4BE7-BFE3-20B9B3B343B0}"/>
+              </a:ext>
+            </a:extLst>
+          </p:cNvPr>
+          <p:cNvPicPr>
+            <a:picLocks noChangeAspect="1"/>
+          </p:cNvPicPr>
+          <p:nvPr/>
+        </p:nvPicPr>
+        <p:blipFill>
+          <a:blip r:embed="rId3"/>
+          <a:stretch>
+            <a:fillRect/>
+          </a:stretch>
+        </p:blipFill>
+        <p:spPr>
+          <a:xfrm>
+            <a:off x="994214" y="1124601"/>
+            <a:ext cx="11611264" cy="6023889"/>
+          </a:xfrm>
+          <a:prstGeom prst="rect">
+            <a:avLst/>
+          </a:prstGeom>
+        </p:spPr>
+      </p:pic>
     </p:spTree>
     <p:extLst>
       <p:ext uri="{BB962C8B-B14F-4D97-AF65-F5344CB8AC3E}">
-        <p14:creationId xmlns:p14="http://schemas.microsoft.com/office/powerpoint/2010/main" val="33839477"/>
+        <p14:creationId xmlns:p14="http://schemas.microsoft.com/office/powerpoint/2010/main" val="1180922431"/>
       </p:ext>
     </p:extLst>
   </p:cSld>
@@ -13683,47 +13815,22 @@
           <a:p>
             <a:r>
               <a:rPr lang="pt-BR" dirty="0"/>
-              <a:t>6. Diagrama de Arquitetura </a:t>
+              <a:t>6. Diagrama de Arquitetura - </a:t>
             </a:r>
+            <a:r>
+              <a:rPr lang="pt-BR" dirty="0" err="1"/>
+              <a:t>Microservice</a:t>
+            </a:r>
+            <a:endParaRPr lang="pt-BR" dirty="0"/>
           </a:p>
         </p:txBody>
       </p:sp>
       <p:pic>
         <p:nvPicPr>
-          <p:cNvPr id="10" name="Imagem 9">
-            <a:extLst>
-              <a:ext uri="{FF2B5EF4-FFF2-40B4-BE49-F238E27FC236}">
-                <a16:creationId xmlns:a16="http://schemas.microsoft.com/office/drawing/2014/main" id="{C8F8B0B0-8469-445D-B064-33B6E1A92F6E}"/>
-              </a:ext>
-            </a:extLst>
-          </p:cNvPr>
-          <p:cNvPicPr>
-            <a:picLocks noChangeAspect="1"/>
-          </p:cNvPicPr>
-          <p:nvPr/>
-        </p:nvPicPr>
-        <p:blipFill>
-          <a:blip r:embed="rId2"/>
-          <a:stretch>
-            <a:fillRect/>
-          </a:stretch>
-        </p:blipFill>
-        <p:spPr>
-          <a:xfrm>
-            <a:off x="1672926" y="925019"/>
-            <a:ext cx="10481252" cy="6250448"/>
-          </a:xfrm>
-          <a:prstGeom prst="rect">
-            <a:avLst/>
-          </a:prstGeom>
-        </p:spPr>
-      </p:pic>
-      <p:pic>
-        <p:nvPicPr>
           <p:cNvPr id="5" name="Imagem 4">
             <a:extLst>
               <a:ext uri="{FF2B5EF4-FFF2-40B4-BE49-F238E27FC236}">
-                <a16:creationId xmlns:a16="http://schemas.microsoft.com/office/drawing/2014/main" id="{A088CD38-4D41-4B8C-BD0C-B7E197501FE7}"/>
+                <a16:creationId xmlns:a16="http://schemas.microsoft.com/office/drawing/2014/main" id="{A27E1F7E-56BF-4D6D-B9B8-E941E2FAC5F5}"/>
               </a:ext>
             </a:extLst>
           </p:cNvPr>
@@ -13731,7 +13838,7 @@
           <p:nvPr/>
         </p:nvPicPr>
         <p:blipFill>
-          <a:blip r:embed="rId3">
+          <a:blip r:embed="rId2">
             <a:extLst>
               <a:ext uri="{28A0092B-C50C-407E-A947-70E740481C1C}">
                 <a14:useLocalDpi xmlns:a14="http://schemas.microsoft.com/office/drawing/2010/main" val="0"/>
@@ -13757,10 +13864,40 @@
           </a:ln>
         </p:spPr>
       </p:pic>
+      <p:pic>
+        <p:nvPicPr>
+          <p:cNvPr id="6" name="Imagem 5">
+            <a:extLst>
+              <a:ext uri="{FF2B5EF4-FFF2-40B4-BE49-F238E27FC236}">
+                <a16:creationId xmlns:a16="http://schemas.microsoft.com/office/drawing/2014/main" id="{997CC8F7-D89B-400F-80B9-33BFB7917527}"/>
+              </a:ext>
+            </a:extLst>
+          </p:cNvPr>
+          <p:cNvPicPr>
+            <a:picLocks noChangeAspect="1"/>
+          </p:cNvPicPr>
+          <p:nvPr/>
+        </p:nvPicPr>
+        <p:blipFill>
+          <a:blip r:embed="rId3"/>
+          <a:stretch>
+            <a:fillRect/>
+          </a:stretch>
+        </p:blipFill>
+        <p:spPr>
+          <a:xfrm>
+            <a:off x="1200163" y="873867"/>
+            <a:ext cx="11042624" cy="6281051"/>
+          </a:xfrm>
+          <a:prstGeom prst="rect">
+            <a:avLst/>
+          </a:prstGeom>
+        </p:spPr>
+      </p:pic>
     </p:spTree>
     <p:extLst>
       <p:ext uri="{BB962C8B-B14F-4D97-AF65-F5344CB8AC3E}">
-        <p14:creationId xmlns:p14="http://schemas.microsoft.com/office/powerpoint/2010/main" val="1180922431"/>
+        <p14:creationId xmlns:p14="http://schemas.microsoft.com/office/powerpoint/2010/main" val="2457591918"/>
       </p:ext>
     </p:extLst>
   </p:cSld>
@@ -14903,15 +15040,6 @@
 </file>
 
 <file path=customXml/item1.xml><?xml version="1.0" encoding="utf-8"?>
-<?mso-contentType ?>
-<FormTemplates xmlns="http://schemas.microsoft.com/sharepoint/v3/contenttype/forms">
-  <Display>DocumentLibraryForm</Display>
-  <Edit>DocumentLibraryForm</Edit>
-  <New>DocumentLibraryForm</New>
-</FormTemplates>
-</file>
-
-<file path=customXml/item2.xml><?xml version="1.0" encoding="utf-8"?>
 <ct:contentTypeSchema xmlns:ct="http://schemas.microsoft.com/office/2006/metadata/contentType" xmlns:ma="http://schemas.microsoft.com/office/2006/metadata/properties/metaAttributes" ct:_="" ma:_="" ma:contentTypeName="Document" ma:contentTypeID="0x0101001132905C37EA9847A7207C4BBCCCD8F4" ma:contentTypeVersion="13" ma:contentTypeDescription="Create a new document." ma:contentTypeScope="" ma:versionID="0fa59793b99d27e1e0b856ab72ac2f0d">
   <xsd:schema xmlns:xsd="http://www.w3.org/2001/XMLSchema" xmlns:xs="http://www.w3.org/2001/XMLSchema" xmlns:p="http://schemas.microsoft.com/office/2006/metadata/properties" xmlns:ns3="4327b14a-fe89-488e-9f6d-9658cacf372b" xmlns:ns4="bbcd8c33-6940-4d4c-a587-bbc736ca1e4d" targetNamespace="http://schemas.microsoft.com/office/2006/metadata/properties" ma:root="true" ma:fieldsID="01494effa1b4414faf4d9851fe547c93" ns3:_="" ns4:_="">
     <xsd:import namespace="4327b14a-fe89-488e-9f6d-9658cacf372b"/>
@@ -15134,6 +15262,15 @@
 </ct:contentTypeSchema>
 </file>
 
+<file path=customXml/item2.xml><?xml version="1.0" encoding="utf-8"?>
+<?mso-contentType ?>
+<FormTemplates xmlns="http://schemas.microsoft.com/sharepoint/v3/contenttype/forms">
+  <Display>DocumentLibraryForm</Display>
+  <Edit>DocumentLibraryForm</Edit>
+  <New>DocumentLibraryForm</New>
+</FormTemplates>
+</file>
+
 <file path=customXml/item3.xml><?xml version="1.0" encoding="utf-8"?>
 <p:properties xmlns:p="http://schemas.microsoft.com/office/2006/metadata/properties" xmlns:xsi="http://www.w3.org/2001/XMLSchema-instance" xmlns:pc="http://schemas.microsoft.com/office/infopath/2007/PartnerControls">
   <documentManagement/>
@@ -15141,14 +15278,6 @@
 </file>
 
 <file path=customXml/itemProps1.xml><?xml version="1.0" encoding="utf-8"?>
-<ds:datastoreItem xmlns:ds="http://schemas.openxmlformats.org/officeDocument/2006/customXml" ds:itemID="{C5C26249-539D-4496-936B-3CD83A43905E}">
-  <ds:schemaRefs>
-    <ds:schemaRef ds:uri="http://schemas.microsoft.com/sharepoint/v3/contenttype/forms"/>
-  </ds:schemaRefs>
-</ds:datastoreItem>
-</file>
-
-<file path=customXml/itemProps2.xml><?xml version="1.0" encoding="utf-8"?>
 <ds:datastoreItem xmlns:ds="http://schemas.openxmlformats.org/officeDocument/2006/customXml" ds:itemID="{6DE4A8B5-68AC-4B03-B2A1-E04BE1806673}">
   <ds:schemaRefs>
     <ds:schemaRef ds:uri="http://schemas.microsoft.com/office/2006/metadata/contentType"/>
@@ -15163,6 +15292,14 @@
     <ds:schemaRef ds:uri="http://purl.org/dc/elements/1.1/"/>
     <ds:schemaRef ds:uri="http://purl.org/dc/terms/"/>
     <ds:schemaRef ds:uri="http://schemas.microsoft.com/internal/obd"/>
+  </ds:schemaRefs>
+</ds:datastoreItem>
+</file>
+
+<file path=customXml/itemProps2.xml><?xml version="1.0" encoding="utf-8"?>
+<ds:datastoreItem xmlns:ds="http://schemas.openxmlformats.org/officeDocument/2006/customXml" ds:itemID="{C5C26249-539D-4496-936B-3CD83A43905E}">
+  <ds:schemaRefs>
+    <ds:schemaRef ds:uri="http://schemas.microsoft.com/sharepoint/v3/contenttype/forms"/>
   </ds:schemaRefs>
 </ds:datastoreItem>
 </file>
